--- a/81同死同活.pptx
+++ b/81同死同活.pptx
@@ -2,17 +2,19 @@
 <file path=ppt/presentation.xml><?xml version="1.0" encoding="utf-8"?>
 <p:presentation xmlns:a="http://schemas.openxmlformats.org/drawingml/2006/main" xmlns:r="http://schemas.openxmlformats.org/officeDocument/2006/relationships" xmlns:p="http://schemas.openxmlformats.org/presentationml/2006/main" saveSubsetFonts="1">
   <p:sldMasterIdLst>
-    <p:sldMasterId id="2147483648" r:id="rId1"/>
+    <p:sldMasterId id="2147483660" r:id="rId1"/>
   </p:sldMasterIdLst>
   <p:sldIdLst>
     <p:sldId id="256" r:id="rId2"/>
-    <p:sldId id="257" r:id="rId3"/>
-    <p:sldId id="258" r:id="rId4"/>
-    <p:sldId id="259" r:id="rId5"/>
-    <p:sldId id="260" r:id="rId6"/>
-    <p:sldId id="261" r:id="rId7"/>
+    <p:sldId id="264" r:id="rId3"/>
+    <p:sldId id="266" r:id="rId4"/>
+    <p:sldId id="265" r:id="rId5"/>
+    <p:sldId id="267" r:id="rId6"/>
+    <p:sldId id="268" r:id="rId7"/>
+    <p:sldId id="269" r:id="rId8"/>
+    <p:sldId id="270" r:id="rId9"/>
   </p:sldIdLst>
-  <p:sldSz cx="9144000" cy="6858000" type="screen4x3"/>
+  <p:sldSz cx="12192000" cy="6858000"/>
   <p:notesSz cx="6858000" cy="9144000"/>
   <p:defaultTextStyle>
     <a:defPPr>
@@ -109,6 +111,22 @@
       </a:defRPr>
     </a:lvl9pPr>
   </p:defaultTextStyle>
+  <p:extLst>
+    <p:ext uri="{EFAFB233-063F-42B5-8137-9DF3F51BA10A}">
+      <p15:sldGuideLst xmlns:p15="http://schemas.microsoft.com/office/powerpoint/2012/main">
+        <p15:guide id="1" orient="horz" pos="2160" userDrawn="1">
+          <p15:clr>
+            <a:srgbClr val="A4A3A4"/>
+          </p15:clr>
+        </p15:guide>
+        <p15:guide id="2" pos="3840" userDrawn="1">
+          <p15:clr>
+            <a:srgbClr val="A4A3A4"/>
+          </p15:clr>
+        </p15:guide>
+      </p15:sldGuideLst>
+    </p:ext>
+  </p:extLst>
 </p:presentation>
 </file>
 
@@ -141,8 +159,8 @@
         </p:nvSpPr>
         <p:spPr>
           <a:xfrm>
-            <a:off x="685800" y="2130425"/>
-            <a:ext cx="7772400" cy="1470025"/>
+            <a:off x="914400" y="2130427"/>
+            <a:ext cx="10363200" cy="1470025"/>
           </a:xfrm>
         </p:spPr>
         <p:txBody>
@@ -150,8 +168,8 @@
           <a:lstStyle/>
           <a:p>
             <a:r>
-              <a:rPr lang="zh-TW" altLang="en-US" smtClean="0"/>
-              <a:t>按一下以編輯母片標題樣式</a:t>
+              <a:rPr lang="en-US" altLang="zh-TW" smtClean="0"/>
+              <a:t>Click to edit Master title style</a:t>
             </a:r>
             <a:endParaRPr lang="zh-TW" altLang="en-US"/>
           </a:p>
@@ -169,8 +187,8 @@
         </p:nvSpPr>
         <p:spPr>
           <a:xfrm>
-            <a:off x="1371600" y="3886200"/>
-            <a:ext cx="6400800" cy="1752600"/>
+            <a:off x="1828800" y="3886200"/>
+            <a:ext cx="8534400" cy="1752600"/>
           </a:xfrm>
         </p:spPr>
         <p:txBody>
@@ -269,8 +287,8 @@
           </a:lstStyle>
           <a:p>
             <a:r>
-              <a:rPr lang="zh-TW" altLang="en-US" smtClean="0"/>
-              <a:t>按一下以編輯母片副標題樣式</a:t>
+              <a:rPr lang="en-US" altLang="zh-TW" smtClean="0"/>
+              <a:t>Click to edit Master subtitle style</a:t>
             </a:r>
             <a:endParaRPr lang="zh-TW" altLang="en-US"/>
           </a:p>
@@ -293,7 +311,7 @@
           <a:p>
             <a:fld id="{B13A0383-9AFD-4A25-847B-0EDFF3E23854}" type="datetimeFigureOut">
               <a:rPr lang="zh-TW" altLang="en-US" smtClean="0"/>
-              <a:t>2019/4/21</a:t>
+              <a:t>2020/4/10</a:t>
             </a:fld>
             <a:endParaRPr lang="zh-TW" altLang="en-US"/>
           </a:p>
@@ -342,6 +360,11 @@
         </p:txBody>
       </p:sp>
     </p:spTree>
+    <p:extLst>
+      <p:ext uri="{BB962C8B-B14F-4D97-AF65-F5344CB8AC3E}">
+        <p14:creationId xmlns:p14="http://schemas.microsoft.com/office/powerpoint/2010/main" val="887456644"/>
+      </p:ext>
+    </p:extLst>
   </p:cSld>
   <p:clrMapOvr>
     <a:masterClrMapping/>
@@ -382,8 +405,8 @@
           <a:lstStyle/>
           <a:p>
             <a:r>
-              <a:rPr lang="zh-TW" altLang="en-US" smtClean="0"/>
-              <a:t>按一下以編輯母片標題樣式</a:t>
+              <a:rPr lang="en-US" altLang="zh-TW" smtClean="0"/>
+              <a:t>Click to edit Master title style</a:t>
             </a:r>
             <a:endParaRPr lang="zh-TW" altLang="en-US"/>
           </a:p>
@@ -406,36 +429,36 @@
           <a:p>
             <a:pPr lvl="0"/>
             <a:r>
-              <a:rPr lang="zh-TW" altLang="en-US" smtClean="0"/>
-              <a:t>按一下以編輯母片文字樣式</a:t>
+              <a:rPr lang="en-US" altLang="zh-TW" smtClean="0"/>
+              <a:t>Edit Master text styles</a:t>
             </a:r>
           </a:p>
           <a:p>
             <a:pPr lvl="1"/>
             <a:r>
-              <a:rPr lang="zh-TW" altLang="en-US" smtClean="0"/>
-              <a:t>第二層</a:t>
+              <a:rPr lang="en-US" altLang="zh-TW" smtClean="0"/>
+              <a:t>Second level</a:t>
             </a:r>
           </a:p>
           <a:p>
             <a:pPr lvl="2"/>
             <a:r>
-              <a:rPr lang="zh-TW" altLang="en-US" smtClean="0"/>
-              <a:t>第三層</a:t>
+              <a:rPr lang="en-US" altLang="zh-TW" smtClean="0"/>
+              <a:t>Third level</a:t>
             </a:r>
           </a:p>
           <a:p>
             <a:pPr lvl="3"/>
             <a:r>
-              <a:rPr lang="zh-TW" altLang="en-US" smtClean="0"/>
-              <a:t>第四層</a:t>
+              <a:rPr lang="en-US" altLang="zh-TW" smtClean="0"/>
+              <a:t>Fourth level</a:t>
             </a:r>
           </a:p>
           <a:p>
             <a:pPr lvl="4"/>
             <a:r>
-              <a:rPr lang="zh-TW" altLang="en-US" smtClean="0"/>
-              <a:t>第五層</a:t>
+              <a:rPr lang="en-US" altLang="zh-TW" smtClean="0"/>
+              <a:t>Fifth level</a:t>
             </a:r>
             <a:endParaRPr lang="zh-TW" altLang="en-US"/>
           </a:p>
@@ -458,7 +481,7 @@
           <a:p>
             <a:fld id="{B13A0383-9AFD-4A25-847B-0EDFF3E23854}" type="datetimeFigureOut">
               <a:rPr lang="zh-TW" altLang="en-US" smtClean="0"/>
-              <a:t>2019/4/21</a:t>
+              <a:t>2020/4/10</a:t>
             </a:fld>
             <a:endParaRPr lang="zh-TW" altLang="en-US"/>
           </a:p>
@@ -507,6 +530,11 @@
         </p:txBody>
       </p:sp>
     </p:spTree>
+    <p:extLst>
+      <p:ext uri="{BB962C8B-B14F-4D97-AF65-F5344CB8AC3E}">
+        <p14:creationId xmlns:p14="http://schemas.microsoft.com/office/powerpoint/2010/main" val="2539274836"/>
+      </p:ext>
+    </p:extLst>
   </p:cSld>
   <p:clrMapOvr>
     <a:masterClrMapping/>
@@ -543,8 +571,8 @@
         </p:nvSpPr>
         <p:spPr>
           <a:xfrm>
-            <a:off x="6629400" y="274638"/>
-            <a:ext cx="2057400" cy="5851525"/>
+            <a:off x="8839200" y="274640"/>
+            <a:ext cx="2743200" cy="5851525"/>
           </a:xfrm>
         </p:spPr>
         <p:txBody>
@@ -552,8 +580,8 @@
           <a:lstStyle/>
           <a:p>
             <a:r>
-              <a:rPr lang="zh-TW" altLang="en-US" smtClean="0"/>
-              <a:t>按一下以編輯母片標題樣式</a:t>
+              <a:rPr lang="en-US" altLang="zh-TW" smtClean="0"/>
+              <a:t>Click to edit Master title style</a:t>
             </a:r>
             <a:endParaRPr lang="zh-TW" altLang="en-US"/>
           </a:p>
@@ -571,8 +599,8 @@
         </p:nvSpPr>
         <p:spPr>
           <a:xfrm>
-            <a:off x="457200" y="274638"/>
-            <a:ext cx="6019800" cy="5851525"/>
+            <a:off x="609600" y="274640"/>
+            <a:ext cx="8026400" cy="5851525"/>
           </a:xfrm>
         </p:spPr>
         <p:txBody>
@@ -581,36 +609,36 @@
           <a:p>
             <a:pPr lvl="0"/>
             <a:r>
-              <a:rPr lang="zh-TW" altLang="en-US" smtClean="0"/>
-              <a:t>按一下以編輯母片文字樣式</a:t>
+              <a:rPr lang="en-US" altLang="zh-TW" smtClean="0"/>
+              <a:t>Edit Master text styles</a:t>
             </a:r>
           </a:p>
           <a:p>
             <a:pPr lvl="1"/>
             <a:r>
-              <a:rPr lang="zh-TW" altLang="en-US" smtClean="0"/>
-              <a:t>第二層</a:t>
+              <a:rPr lang="en-US" altLang="zh-TW" smtClean="0"/>
+              <a:t>Second level</a:t>
             </a:r>
           </a:p>
           <a:p>
             <a:pPr lvl="2"/>
             <a:r>
-              <a:rPr lang="zh-TW" altLang="en-US" smtClean="0"/>
-              <a:t>第三層</a:t>
+              <a:rPr lang="en-US" altLang="zh-TW" smtClean="0"/>
+              <a:t>Third level</a:t>
             </a:r>
           </a:p>
           <a:p>
             <a:pPr lvl="3"/>
             <a:r>
-              <a:rPr lang="zh-TW" altLang="en-US" smtClean="0"/>
-              <a:t>第四層</a:t>
+              <a:rPr lang="en-US" altLang="zh-TW" smtClean="0"/>
+              <a:t>Fourth level</a:t>
             </a:r>
           </a:p>
           <a:p>
             <a:pPr lvl="4"/>
             <a:r>
-              <a:rPr lang="zh-TW" altLang="en-US" smtClean="0"/>
-              <a:t>第五層</a:t>
+              <a:rPr lang="en-US" altLang="zh-TW" smtClean="0"/>
+              <a:t>Fifth level</a:t>
             </a:r>
             <a:endParaRPr lang="zh-TW" altLang="en-US"/>
           </a:p>
@@ -633,7 +661,7 @@
           <a:p>
             <a:fld id="{B13A0383-9AFD-4A25-847B-0EDFF3E23854}" type="datetimeFigureOut">
               <a:rPr lang="zh-TW" altLang="en-US" smtClean="0"/>
-              <a:t>2019/4/21</a:t>
+              <a:t>2020/4/10</a:t>
             </a:fld>
             <a:endParaRPr lang="zh-TW" altLang="en-US"/>
           </a:p>
@@ -682,6 +710,11 @@
         </p:txBody>
       </p:sp>
     </p:spTree>
+    <p:extLst>
+      <p:ext uri="{BB962C8B-B14F-4D97-AF65-F5344CB8AC3E}">
+        <p14:creationId xmlns:p14="http://schemas.microsoft.com/office/powerpoint/2010/main" val="4170367755"/>
+      </p:ext>
+    </p:extLst>
   </p:cSld>
   <p:clrMapOvr>
     <a:masterClrMapping/>
@@ -722,8 +755,8 @@
           <a:lstStyle/>
           <a:p>
             <a:r>
-              <a:rPr lang="zh-TW" altLang="en-US" smtClean="0"/>
-              <a:t>按一下以編輯母片標題樣式</a:t>
+              <a:rPr lang="en-US" altLang="zh-TW" smtClean="0"/>
+              <a:t>Click to edit Master title style</a:t>
             </a:r>
             <a:endParaRPr lang="zh-TW" altLang="en-US"/>
           </a:p>
@@ -746,36 +779,36 @@
           <a:p>
             <a:pPr lvl="0"/>
             <a:r>
-              <a:rPr lang="zh-TW" altLang="en-US" smtClean="0"/>
-              <a:t>按一下以編輯母片文字樣式</a:t>
+              <a:rPr lang="en-US" altLang="zh-TW" smtClean="0"/>
+              <a:t>Edit Master text styles</a:t>
             </a:r>
           </a:p>
           <a:p>
             <a:pPr lvl="1"/>
             <a:r>
-              <a:rPr lang="zh-TW" altLang="en-US" smtClean="0"/>
-              <a:t>第二層</a:t>
+              <a:rPr lang="en-US" altLang="zh-TW" smtClean="0"/>
+              <a:t>Second level</a:t>
             </a:r>
           </a:p>
           <a:p>
             <a:pPr lvl="2"/>
             <a:r>
-              <a:rPr lang="zh-TW" altLang="en-US" smtClean="0"/>
-              <a:t>第三層</a:t>
+              <a:rPr lang="en-US" altLang="zh-TW" smtClean="0"/>
+              <a:t>Third level</a:t>
             </a:r>
           </a:p>
           <a:p>
             <a:pPr lvl="3"/>
             <a:r>
-              <a:rPr lang="zh-TW" altLang="en-US" smtClean="0"/>
-              <a:t>第四層</a:t>
+              <a:rPr lang="en-US" altLang="zh-TW" smtClean="0"/>
+              <a:t>Fourth level</a:t>
             </a:r>
           </a:p>
           <a:p>
             <a:pPr lvl="4"/>
             <a:r>
-              <a:rPr lang="zh-TW" altLang="en-US" smtClean="0"/>
-              <a:t>第五層</a:t>
+              <a:rPr lang="en-US" altLang="zh-TW" smtClean="0"/>
+              <a:t>Fifth level</a:t>
             </a:r>
             <a:endParaRPr lang="zh-TW" altLang="en-US"/>
           </a:p>
@@ -798,7 +831,7 @@
           <a:p>
             <a:fld id="{B13A0383-9AFD-4A25-847B-0EDFF3E23854}" type="datetimeFigureOut">
               <a:rPr lang="zh-TW" altLang="en-US" smtClean="0"/>
-              <a:t>2019/4/21</a:t>
+              <a:t>2020/4/10</a:t>
             </a:fld>
             <a:endParaRPr lang="zh-TW" altLang="en-US"/>
           </a:p>
@@ -847,6 +880,11 @@
         </p:txBody>
       </p:sp>
     </p:spTree>
+    <p:extLst>
+      <p:ext uri="{BB962C8B-B14F-4D97-AF65-F5344CB8AC3E}">
+        <p14:creationId xmlns:p14="http://schemas.microsoft.com/office/powerpoint/2010/main" val="3201381788"/>
+      </p:ext>
+    </p:extLst>
   </p:cSld>
   <p:clrMapOvr>
     <a:masterClrMapping/>
@@ -883,8 +921,8 @@
         </p:nvSpPr>
         <p:spPr>
           <a:xfrm>
-            <a:off x="722313" y="4406900"/>
-            <a:ext cx="7772400" cy="1362075"/>
+            <a:off x="963084" y="4406902"/>
+            <a:ext cx="10363200" cy="1362075"/>
           </a:xfrm>
         </p:spPr>
         <p:txBody>
@@ -896,8 +934,8 @@
           </a:lstStyle>
           <a:p>
             <a:r>
-              <a:rPr lang="zh-TW" altLang="en-US" smtClean="0"/>
-              <a:t>按一下以編輯母片標題樣式</a:t>
+              <a:rPr lang="en-US" altLang="zh-TW" smtClean="0"/>
+              <a:t>Click to edit Master title style</a:t>
             </a:r>
             <a:endParaRPr lang="zh-TW" altLang="en-US"/>
           </a:p>
@@ -915,8 +953,8 @@
         </p:nvSpPr>
         <p:spPr>
           <a:xfrm>
-            <a:off x="722313" y="2906713"/>
-            <a:ext cx="7772400" cy="1500187"/>
+            <a:off x="963084" y="2906713"/>
+            <a:ext cx="10363200" cy="1500187"/>
           </a:xfrm>
         </p:spPr>
         <p:txBody>
@@ -1016,8 +1054,8 @@
           <a:p>
             <a:pPr lvl="0"/>
             <a:r>
-              <a:rPr lang="zh-TW" altLang="en-US" smtClean="0"/>
-              <a:t>按一下以編輯母片文字樣式</a:t>
+              <a:rPr lang="en-US" altLang="zh-TW" smtClean="0"/>
+              <a:t>Edit Master text styles</a:t>
             </a:r>
           </a:p>
         </p:txBody>
@@ -1039,7 +1077,7 @@
           <a:p>
             <a:fld id="{B13A0383-9AFD-4A25-847B-0EDFF3E23854}" type="datetimeFigureOut">
               <a:rPr lang="zh-TW" altLang="en-US" smtClean="0"/>
-              <a:t>2019/4/21</a:t>
+              <a:t>2020/4/10</a:t>
             </a:fld>
             <a:endParaRPr lang="zh-TW" altLang="en-US"/>
           </a:p>
@@ -1088,6 +1126,11 @@
         </p:txBody>
       </p:sp>
     </p:spTree>
+    <p:extLst>
+      <p:ext uri="{BB962C8B-B14F-4D97-AF65-F5344CB8AC3E}">
+        <p14:creationId xmlns:p14="http://schemas.microsoft.com/office/powerpoint/2010/main" val="567088402"/>
+      </p:ext>
+    </p:extLst>
   </p:cSld>
   <p:clrMapOvr>
     <a:masterClrMapping/>
@@ -1128,8 +1171,8 @@
           <a:lstStyle/>
           <a:p>
             <a:r>
-              <a:rPr lang="zh-TW" altLang="en-US" smtClean="0"/>
-              <a:t>按一下以編輯母片標題樣式</a:t>
+              <a:rPr lang="en-US" altLang="zh-TW" smtClean="0"/>
+              <a:t>Click to edit Master title style</a:t>
             </a:r>
             <a:endParaRPr lang="zh-TW" altLang="en-US"/>
           </a:p>
@@ -1147,8 +1190,8 @@
         </p:nvSpPr>
         <p:spPr>
           <a:xfrm>
-            <a:off x="457200" y="1600200"/>
-            <a:ext cx="4038600" cy="4525963"/>
+            <a:off x="609600" y="1600202"/>
+            <a:ext cx="5384800" cy="4525963"/>
           </a:xfrm>
         </p:spPr>
         <p:txBody>
@@ -1185,36 +1228,36 @@
           <a:p>
             <a:pPr lvl="0"/>
             <a:r>
-              <a:rPr lang="zh-TW" altLang="en-US" smtClean="0"/>
-              <a:t>按一下以編輯母片文字樣式</a:t>
+              <a:rPr lang="en-US" altLang="zh-TW" smtClean="0"/>
+              <a:t>Edit Master text styles</a:t>
             </a:r>
           </a:p>
           <a:p>
             <a:pPr lvl="1"/>
             <a:r>
-              <a:rPr lang="zh-TW" altLang="en-US" smtClean="0"/>
-              <a:t>第二層</a:t>
+              <a:rPr lang="en-US" altLang="zh-TW" smtClean="0"/>
+              <a:t>Second level</a:t>
             </a:r>
           </a:p>
           <a:p>
             <a:pPr lvl="2"/>
             <a:r>
-              <a:rPr lang="zh-TW" altLang="en-US" smtClean="0"/>
-              <a:t>第三層</a:t>
+              <a:rPr lang="en-US" altLang="zh-TW" smtClean="0"/>
+              <a:t>Third level</a:t>
             </a:r>
           </a:p>
           <a:p>
             <a:pPr lvl="3"/>
             <a:r>
-              <a:rPr lang="zh-TW" altLang="en-US" smtClean="0"/>
-              <a:t>第四層</a:t>
+              <a:rPr lang="en-US" altLang="zh-TW" smtClean="0"/>
+              <a:t>Fourth level</a:t>
             </a:r>
           </a:p>
           <a:p>
             <a:pPr lvl="4"/>
             <a:r>
-              <a:rPr lang="zh-TW" altLang="en-US" smtClean="0"/>
-              <a:t>第五層</a:t>
+              <a:rPr lang="en-US" altLang="zh-TW" smtClean="0"/>
+              <a:t>Fifth level</a:t>
             </a:r>
             <a:endParaRPr lang="zh-TW" altLang="en-US"/>
           </a:p>
@@ -1232,8 +1275,8 @@
         </p:nvSpPr>
         <p:spPr>
           <a:xfrm>
-            <a:off x="4648200" y="1600200"/>
-            <a:ext cx="4038600" cy="4525963"/>
+            <a:off x="6197600" y="1600202"/>
+            <a:ext cx="5384800" cy="4525963"/>
           </a:xfrm>
         </p:spPr>
         <p:txBody>
@@ -1270,36 +1313,36 @@
           <a:p>
             <a:pPr lvl="0"/>
             <a:r>
-              <a:rPr lang="zh-TW" altLang="en-US" smtClean="0"/>
-              <a:t>按一下以編輯母片文字樣式</a:t>
+              <a:rPr lang="en-US" altLang="zh-TW" smtClean="0"/>
+              <a:t>Edit Master text styles</a:t>
             </a:r>
           </a:p>
           <a:p>
             <a:pPr lvl="1"/>
             <a:r>
-              <a:rPr lang="zh-TW" altLang="en-US" smtClean="0"/>
-              <a:t>第二層</a:t>
+              <a:rPr lang="en-US" altLang="zh-TW" smtClean="0"/>
+              <a:t>Second level</a:t>
             </a:r>
           </a:p>
           <a:p>
             <a:pPr lvl="2"/>
             <a:r>
-              <a:rPr lang="zh-TW" altLang="en-US" smtClean="0"/>
-              <a:t>第三層</a:t>
+              <a:rPr lang="en-US" altLang="zh-TW" smtClean="0"/>
+              <a:t>Third level</a:t>
             </a:r>
           </a:p>
           <a:p>
             <a:pPr lvl="3"/>
             <a:r>
-              <a:rPr lang="zh-TW" altLang="en-US" smtClean="0"/>
-              <a:t>第四層</a:t>
+              <a:rPr lang="en-US" altLang="zh-TW" smtClean="0"/>
+              <a:t>Fourth level</a:t>
             </a:r>
           </a:p>
           <a:p>
             <a:pPr lvl="4"/>
             <a:r>
-              <a:rPr lang="zh-TW" altLang="en-US" smtClean="0"/>
-              <a:t>第五層</a:t>
+              <a:rPr lang="en-US" altLang="zh-TW" smtClean="0"/>
+              <a:t>Fifth level</a:t>
             </a:r>
             <a:endParaRPr lang="zh-TW" altLang="en-US"/>
           </a:p>
@@ -1322,7 +1365,7 @@
           <a:p>
             <a:fld id="{B13A0383-9AFD-4A25-847B-0EDFF3E23854}" type="datetimeFigureOut">
               <a:rPr lang="zh-TW" altLang="en-US" smtClean="0"/>
-              <a:t>2019/4/21</a:t>
+              <a:t>2020/4/10</a:t>
             </a:fld>
             <a:endParaRPr lang="zh-TW" altLang="en-US"/>
           </a:p>
@@ -1371,6 +1414,11 @@
         </p:txBody>
       </p:sp>
     </p:spTree>
+    <p:extLst>
+      <p:ext uri="{BB962C8B-B14F-4D97-AF65-F5344CB8AC3E}">
+        <p14:creationId xmlns:p14="http://schemas.microsoft.com/office/powerpoint/2010/main" val="1487366943"/>
+      </p:ext>
+    </p:extLst>
   </p:cSld>
   <p:clrMapOvr>
     <a:masterClrMapping/>
@@ -1415,8 +1463,8 @@
           </a:lstStyle>
           <a:p>
             <a:r>
-              <a:rPr lang="zh-TW" altLang="en-US" smtClean="0"/>
-              <a:t>按一下以編輯母片標題樣式</a:t>
+              <a:rPr lang="en-US" altLang="zh-TW" smtClean="0"/>
+              <a:t>Click to edit Master title style</a:t>
             </a:r>
             <a:endParaRPr lang="zh-TW" altLang="en-US"/>
           </a:p>
@@ -1434,8 +1482,8 @@
         </p:nvSpPr>
         <p:spPr>
           <a:xfrm>
-            <a:off x="457200" y="1535113"/>
-            <a:ext cx="4040188" cy="639762"/>
+            <a:off x="609600" y="1535114"/>
+            <a:ext cx="5386917" cy="639763"/>
           </a:xfrm>
         </p:spPr>
         <p:txBody>
@@ -1481,8 +1529,8 @@
           <a:p>
             <a:pPr lvl="0"/>
             <a:r>
-              <a:rPr lang="zh-TW" altLang="en-US" smtClean="0"/>
-              <a:t>按一下以編輯母片文字樣式</a:t>
+              <a:rPr lang="en-US" altLang="zh-TW" smtClean="0"/>
+              <a:t>Edit Master text styles</a:t>
             </a:r>
           </a:p>
         </p:txBody>
@@ -1499,8 +1547,8 @@
         </p:nvSpPr>
         <p:spPr>
           <a:xfrm>
-            <a:off x="457200" y="2174875"/>
-            <a:ext cx="4040188" cy="3951288"/>
+            <a:off x="609600" y="2174875"/>
+            <a:ext cx="5386917" cy="3951288"/>
           </a:xfrm>
         </p:spPr>
         <p:txBody>
@@ -1537,36 +1585,36 @@
           <a:p>
             <a:pPr lvl="0"/>
             <a:r>
-              <a:rPr lang="zh-TW" altLang="en-US" smtClean="0"/>
-              <a:t>按一下以編輯母片文字樣式</a:t>
+              <a:rPr lang="en-US" altLang="zh-TW" smtClean="0"/>
+              <a:t>Edit Master text styles</a:t>
             </a:r>
           </a:p>
           <a:p>
             <a:pPr lvl="1"/>
             <a:r>
-              <a:rPr lang="zh-TW" altLang="en-US" smtClean="0"/>
-              <a:t>第二層</a:t>
+              <a:rPr lang="en-US" altLang="zh-TW" smtClean="0"/>
+              <a:t>Second level</a:t>
             </a:r>
           </a:p>
           <a:p>
             <a:pPr lvl="2"/>
             <a:r>
-              <a:rPr lang="zh-TW" altLang="en-US" smtClean="0"/>
-              <a:t>第三層</a:t>
+              <a:rPr lang="en-US" altLang="zh-TW" smtClean="0"/>
+              <a:t>Third level</a:t>
             </a:r>
           </a:p>
           <a:p>
             <a:pPr lvl="3"/>
             <a:r>
-              <a:rPr lang="zh-TW" altLang="en-US" smtClean="0"/>
-              <a:t>第四層</a:t>
+              <a:rPr lang="en-US" altLang="zh-TW" smtClean="0"/>
+              <a:t>Fourth level</a:t>
             </a:r>
           </a:p>
           <a:p>
             <a:pPr lvl="4"/>
             <a:r>
-              <a:rPr lang="zh-TW" altLang="en-US" smtClean="0"/>
-              <a:t>第五層</a:t>
+              <a:rPr lang="en-US" altLang="zh-TW" smtClean="0"/>
+              <a:t>Fifth level</a:t>
             </a:r>
             <a:endParaRPr lang="zh-TW" altLang="en-US"/>
           </a:p>
@@ -1584,8 +1632,8 @@
         </p:nvSpPr>
         <p:spPr>
           <a:xfrm>
-            <a:off x="4645025" y="1535113"/>
-            <a:ext cx="4041775" cy="639762"/>
+            <a:off x="6193370" y="1535114"/>
+            <a:ext cx="5389033" cy="639763"/>
           </a:xfrm>
         </p:spPr>
         <p:txBody>
@@ -1631,8 +1679,8 @@
           <a:p>
             <a:pPr lvl="0"/>
             <a:r>
-              <a:rPr lang="zh-TW" altLang="en-US" smtClean="0"/>
-              <a:t>按一下以編輯母片文字樣式</a:t>
+              <a:rPr lang="en-US" altLang="zh-TW" smtClean="0"/>
+              <a:t>Edit Master text styles</a:t>
             </a:r>
           </a:p>
         </p:txBody>
@@ -1649,8 +1697,8 @@
         </p:nvSpPr>
         <p:spPr>
           <a:xfrm>
-            <a:off x="4645025" y="2174875"/>
-            <a:ext cx="4041775" cy="3951288"/>
+            <a:off x="6193370" y="2174875"/>
+            <a:ext cx="5389033" cy="3951288"/>
           </a:xfrm>
         </p:spPr>
         <p:txBody>
@@ -1687,36 +1735,36 @@
           <a:p>
             <a:pPr lvl="0"/>
             <a:r>
-              <a:rPr lang="zh-TW" altLang="en-US" smtClean="0"/>
-              <a:t>按一下以編輯母片文字樣式</a:t>
+              <a:rPr lang="en-US" altLang="zh-TW" smtClean="0"/>
+              <a:t>Edit Master text styles</a:t>
             </a:r>
           </a:p>
           <a:p>
             <a:pPr lvl="1"/>
             <a:r>
-              <a:rPr lang="zh-TW" altLang="en-US" smtClean="0"/>
-              <a:t>第二層</a:t>
+              <a:rPr lang="en-US" altLang="zh-TW" smtClean="0"/>
+              <a:t>Second level</a:t>
             </a:r>
           </a:p>
           <a:p>
             <a:pPr lvl="2"/>
             <a:r>
-              <a:rPr lang="zh-TW" altLang="en-US" smtClean="0"/>
-              <a:t>第三層</a:t>
+              <a:rPr lang="en-US" altLang="zh-TW" smtClean="0"/>
+              <a:t>Third level</a:t>
             </a:r>
           </a:p>
           <a:p>
             <a:pPr lvl="3"/>
             <a:r>
-              <a:rPr lang="zh-TW" altLang="en-US" smtClean="0"/>
-              <a:t>第四層</a:t>
+              <a:rPr lang="en-US" altLang="zh-TW" smtClean="0"/>
+              <a:t>Fourth level</a:t>
             </a:r>
           </a:p>
           <a:p>
             <a:pPr lvl="4"/>
             <a:r>
-              <a:rPr lang="zh-TW" altLang="en-US" smtClean="0"/>
-              <a:t>第五層</a:t>
+              <a:rPr lang="en-US" altLang="zh-TW" smtClean="0"/>
+              <a:t>Fifth level</a:t>
             </a:r>
             <a:endParaRPr lang="zh-TW" altLang="en-US"/>
           </a:p>
@@ -1739,7 +1787,7 @@
           <a:p>
             <a:fld id="{B13A0383-9AFD-4A25-847B-0EDFF3E23854}" type="datetimeFigureOut">
               <a:rPr lang="zh-TW" altLang="en-US" smtClean="0"/>
-              <a:t>2019/4/21</a:t>
+              <a:t>2020/4/10</a:t>
             </a:fld>
             <a:endParaRPr lang="zh-TW" altLang="en-US"/>
           </a:p>
@@ -1788,6 +1836,11 @@
         </p:txBody>
       </p:sp>
     </p:spTree>
+    <p:extLst>
+      <p:ext uri="{BB962C8B-B14F-4D97-AF65-F5344CB8AC3E}">
+        <p14:creationId xmlns:p14="http://schemas.microsoft.com/office/powerpoint/2010/main" val="731199714"/>
+      </p:ext>
+    </p:extLst>
   </p:cSld>
   <p:clrMapOvr>
     <a:masterClrMapping/>
@@ -1828,8 +1881,8 @@
           <a:lstStyle/>
           <a:p>
             <a:r>
-              <a:rPr lang="zh-TW" altLang="en-US" smtClean="0"/>
-              <a:t>按一下以編輯母片標題樣式</a:t>
+              <a:rPr lang="en-US" altLang="zh-TW" smtClean="0"/>
+              <a:t>Click to edit Master title style</a:t>
             </a:r>
             <a:endParaRPr lang="zh-TW" altLang="en-US"/>
           </a:p>
@@ -1852,7 +1905,7 @@
           <a:p>
             <a:fld id="{B13A0383-9AFD-4A25-847B-0EDFF3E23854}" type="datetimeFigureOut">
               <a:rPr lang="zh-TW" altLang="en-US" smtClean="0"/>
-              <a:t>2019/4/21</a:t>
+              <a:t>2020/4/10</a:t>
             </a:fld>
             <a:endParaRPr lang="zh-TW" altLang="en-US"/>
           </a:p>
@@ -1901,6 +1954,11 @@
         </p:txBody>
       </p:sp>
     </p:spTree>
+    <p:extLst>
+      <p:ext uri="{BB962C8B-B14F-4D97-AF65-F5344CB8AC3E}">
+        <p14:creationId xmlns:p14="http://schemas.microsoft.com/office/powerpoint/2010/main" val="3178229112"/>
+      </p:ext>
+    </p:extLst>
   </p:cSld>
   <p:clrMapOvr>
     <a:masterClrMapping/>
@@ -1942,7 +2000,7 @@
           <a:p>
             <a:fld id="{B13A0383-9AFD-4A25-847B-0EDFF3E23854}" type="datetimeFigureOut">
               <a:rPr lang="zh-TW" altLang="en-US" smtClean="0"/>
-              <a:t>2019/4/21</a:t>
+              <a:t>2020/4/10</a:t>
             </a:fld>
             <a:endParaRPr lang="zh-TW" altLang="en-US"/>
           </a:p>
@@ -1991,6 +2049,11 @@
         </p:txBody>
       </p:sp>
     </p:spTree>
+    <p:extLst>
+      <p:ext uri="{BB962C8B-B14F-4D97-AF65-F5344CB8AC3E}">
+        <p14:creationId xmlns:p14="http://schemas.microsoft.com/office/powerpoint/2010/main" val="1358714144"/>
+      </p:ext>
+    </p:extLst>
   </p:cSld>
   <p:clrMapOvr>
     <a:masterClrMapping/>
@@ -2027,8 +2090,8 @@
         </p:nvSpPr>
         <p:spPr>
           <a:xfrm>
-            <a:off x="457200" y="273050"/>
-            <a:ext cx="3008313" cy="1162050"/>
+            <a:off x="609603" y="273050"/>
+            <a:ext cx="4011084" cy="1162051"/>
           </a:xfrm>
         </p:spPr>
         <p:txBody>
@@ -2040,8 +2103,8 @@
           </a:lstStyle>
           <a:p>
             <a:r>
-              <a:rPr lang="zh-TW" altLang="en-US" smtClean="0"/>
-              <a:t>按一下以編輯母片標題樣式</a:t>
+              <a:rPr lang="en-US" altLang="zh-TW" smtClean="0"/>
+              <a:t>Click to edit Master title style</a:t>
             </a:r>
             <a:endParaRPr lang="zh-TW" altLang="en-US"/>
           </a:p>
@@ -2059,8 +2122,8 @@
         </p:nvSpPr>
         <p:spPr>
           <a:xfrm>
-            <a:off x="3575050" y="273050"/>
-            <a:ext cx="5111750" cy="5853113"/>
+            <a:off x="4766733" y="273053"/>
+            <a:ext cx="6815667" cy="5853113"/>
           </a:xfrm>
         </p:spPr>
         <p:txBody>
@@ -2097,36 +2160,36 @@
           <a:p>
             <a:pPr lvl="0"/>
             <a:r>
-              <a:rPr lang="zh-TW" altLang="en-US" smtClean="0"/>
-              <a:t>按一下以編輯母片文字樣式</a:t>
+              <a:rPr lang="en-US" altLang="zh-TW" smtClean="0"/>
+              <a:t>Edit Master text styles</a:t>
             </a:r>
           </a:p>
           <a:p>
             <a:pPr lvl="1"/>
             <a:r>
-              <a:rPr lang="zh-TW" altLang="en-US" smtClean="0"/>
-              <a:t>第二層</a:t>
+              <a:rPr lang="en-US" altLang="zh-TW" smtClean="0"/>
+              <a:t>Second level</a:t>
             </a:r>
           </a:p>
           <a:p>
             <a:pPr lvl="2"/>
             <a:r>
-              <a:rPr lang="zh-TW" altLang="en-US" smtClean="0"/>
-              <a:t>第三層</a:t>
+              <a:rPr lang="en-US" altLang="zh-TW" smtClean="0"/>
+              <a:t>Third level</a:t>
             </a:r>
           </a:p>
           <a:p>
             <a:pPr lvl="3"/>
             <a:r>
-              <a:rPr lang="zh-TW" altLang="en-US" smtClean="0"/>
-              <a:t>第四層</a:t>
+              <a:rPr lang="en-US" altLang="zh-TW" smtClean="0"/>
+              <a:t>Fourth level</a:t>
             </a:r>
           </a:p>
           <a:p>
             <a:pPr lvl="4"/>
             <a:r>
-              <a:rPr lang="zh-TW" altLang="en-US" smtClean="0"/>
-              <a:t>第五層</a:t>
+              <a:rPr lang="en-US" altLang="zh-TW" smtClean="0"/>
+              <a:t>Fifth level</a:t>
             </a:r>
             <a:endParaRPr lang="zh-TW" altLang="en-US"/>
           </a:p>
@@ -2144,8 +2207,8 @@
         </p:nvSpPr>
         <p:spPr>
           <a:xfrm>
-            <a:off x="457200" y="1435100"/>
-            <a:ext cx="3008313" cy="4691063"/>
+            <a:off x="609603" y="1435103"/>
+            <a:ext cx="4011084" cy="4691063"/>
           </a:xfrm>
         </p:spPr>
         <p:txBody>
@@ -2191,8 +2254,8 @@
           <a:p>
             <a:pPr lvl="0"/>
             <a:r>
-              <a:rPr lang="zh-TW" altLang="en-US" smtClean="0"/>
-              <a:t>按一下以編輯母片文字樣式</a:t>
+              <a:rPr lang="en-US" altLang="zh-TW" smtClean="0"/>
+              <a:t>Edit Master text styles</a:t>
             </a:r>
           </a:p>
         </p:txBody>
@@ -2214,7 +2277,7 @@
           <a:p>
             <a:fld id="{B13A0383-9AFD-4A25-847B-0EDFF3E23854}" type="datetimeFigureOut">
               <a:rPr lang="zh-TW" altLang="en-US" smtClean="0"/>
-              <a:t>2019/4/21</a:t>
+              <a:t>2020/4/10</a:t>
             </a:fld>
             <a:endParaRPr lang="zh-TW" altLang="en-US"/>
           </a:p>
@@ -2263,6 +2326,11 @@
         </p:txBody>
       </p:sp>
     </p:spTree>
+    <p:extLst>
+      <p:ext uri="{BB962C8B-B14F-4D97-AF65-F5344CB8AC3E}">
+        <p14:creationId xmlns:p14="http://schemas.microsoft.com/office/powerpoint/2010/main" val="121590838"/>
+      </p:ext>
+    </p:extLst>
   </p:cSld>
   <p:clrMapOvr>
     <a:masterClrMapping/>
@@ -2299,8 +2367,8 @@
         </p:nvSpPr>
         <p:spPr>
           <a:xfrm>
-            <a:off x="1792288" y="4800600"/>
-            <a:ext cx="5486400" cy="566738"/>
+            <a:off x="2389717" y="4800601"/>
+            <a:ext cx="7315200" cy="566739"/>
           </a:xfrm>
         </p:spPr>
         <p:txBody>
@@ -2312,8 +2380,8 @@
           </a:lstStyle>
           <a:p>
             <a:r>
-              <a:rPr lang="zh-TW" altLang="en-US" smtClean="0"/>
-              <a:t>按一下以編輯母片標題樣式</a:t>
+              <a:rPr lang="en-US" altLang="zh-TW" smtClean="0"/>
+              <a:t>Click to edit Master title style</a:t>
             </a:r>
             <a:endParaRPr lang="zh-TW" altLang="en-US"/>
           </a:p>
@@ -2331,8 +2399,8 @@
         </p:nvSpPr>
         <p:spPr>
           <a:xfrm>
-            <a:off x="1792288" y="612775"/>
-            <a:ext cx="5486400" cy="4114800"/>
+            <a:off x="2389717" y="612775"/>
+            <a:ext cx="7315200" cy="4114800"/>
           </a:xfrm>
         </p:spPr>
         <p:txBody>
@@ -2376,6 +2444,10 @@
             </a:lvl9pPr>
           </a:lstStyle>
           <a:p>
+            <a:r>
+              <a:rPr lang="en-US" altLang="zh-TW" smtClean="0"/>
+              <a:t>Click icon to add picture</a:t>
+            </a:r>
             <a:endParaRPr lang="zh-TW" altLang="en-US"/>
           </a:p>
         </p:txBody>
@@ -2392,8 +2464,8 @@
         </p:nvSpPr>
         <p:spPr>
           <a:xfrm>
-            <a:off x="1792288" y="5367338"/>
-            <a:ext cx="5486400" cy="804862"/>
+            <a:off x="2389717" y="5367339"/>
+            <a:ext cx="7315200" cy="804863"/>
           </a:xfrm>
         </p:spPr>
         <p:txBody>
@@ -2439,8 +2511,8 @@
           <a:p>
             <a:pPr lvl="0"/>
             <a:r>
-              <a:rPr lang="zh-TW" altLang="en-US" smtClean="0"/>
-              <a:t>按一下以編輯母片文字樣式</a:t>
+              <a:rPr lang="en-US" altLang="zh-TW" smtClean="0"/>
+              <a:t>Edit Master text styles</a:t>
             </a:r>
           </a:p>
         </p:txBody>
@@ -2462,7 +2534,7 @@
           <a:p>
             <a:fld id="{B13A0383-9AFD-4A25-847B-0EDFF3E23854}" type="datetimeFigureOut">
               <a:rPr lang="zh-TW" altLang="en-US" smtClean="0"/>
-              <a:t>2019/4/21</a:t>
+              <a:t>2020/4/10</a:t>
             </a:fld>
             <a:endParaRPr lang="zh-TW" altLang="en-US"/>
           </a:p>
@@ -2511,6 +2583,11 @@
         </p:txBody>
       </p:sp>
     </p:spTree>
+    <p:extLst>
+      <p:ext uri="{BB962C8B-B14F-4D97-AF65-F5344CB8AC3E}">
+        <p14:creationId xmlns:p14="http://schemas.microsoft.com/office/powerpoint/2010/main" val="2904163557"/>
+      </p:ext>
+    </p:extLst>
   </p:cSld>
   <p:clrMapOvr>
     <a:masterClrMapping/>
@@ -2522,9 +2599,14 @@
 <p:sldMaster xmlns:a="http://schemas.openxmlformats.org/drawingml/2006/main" xmlns:r="http://schemas.openxmlformats.org/officeDocument/2006/relationships" xmlns:p="http://schemas.openxmlformats.org/presentationml/2006/main">
   <p:cSld>
     <p:bg>
-      <p:bgRef idx="1001">
-        <a:schemeClr val="bg1"/>
-      </p:bgRef>
+      <p:bgPr>
+        <a:blipFill dpi="0" rotWithShape="1">
+          <a:blip r:embed="rId13"/>
+          <a:srcRect/>
+          <a:tile tx="0" ty="0" sx="100000" sy="100000" flip="none" algn="tl"/>
+        </a:blipFill>
+        <a:effectLst/>
+      </p:bgPr>
     </p:bg>
     <p:spTree>
       <p:nvGrpSpPr>
@@ -2552,8 +2634,8 @@
         </p:nvSpPr>
         <p:spPr>
           <a:xfrm>
-            <a:off x="457200" y="274638"/>
-            <a:ext cx="8229600" cy="1143000"/>
+            <a:off x="609600" y="274639"/>
+            <a:ext cx="10972800" cy="1143000"/>
           </a:xfrm>
           <a:prstGeom prst="rect">
             <a:avLst/>
@@ -2585,8 +2667,8 @@
         </p:nvSpPr>
         <p:spPr>
           <a:xfrm>
-            <a:off x="457200" y="1600200"/>
-            <a:ext cx="8229600" cy="4525963"/>
+            <a:off x="609600" y="1600202"/>
+            <a:ext cx="10972800" cy="4525963"/>
           </a:xfrm>
           <a:prstGeom prst="rect">
             <a:avLst/>
@@ -2647,8 +2729,8 @@
         </p:nvSpPr>
         <p:spPr>
           <a:xfrm>
-            <a:off x="457200" y="6356350"/>
-            <a:ext cx="2133600" cy="365125"/>
+            <a:off x="609600" y="6356352"/>
+            <a:ext cx="2844800" cy="365125"/>
           </a:xfrm>
           <a:prstGeom prst="rect">
             <a:avLst/>
@@ -2670,7 +2752,7 @@
           <a:p>
             <a:fld id="{B13A0383-9AFD-4A25-847B-0EDFF3E23854}" type="datetimeFigureOut">
               <a:rPr lang="zh-TW" altLang="en-US" smtClean="0"/>
-              <a:t>2019/4/21</a:t>
+              <a:t>2020/4/10</a:t>
             </a:fld>
             <a:endParaRPr lang="zh-TW" altLang="en-US"/>
           </a:p>
@@ -2688,8 +2770,8 @@
         </p:nvSpPr>
         <p:spPr>
           <a:xfrm>
-            <a:off x="3124200" y="6356350"/>
-            <a:ext cx="2895600" cy="365125"/>
+            <a:off x="4165600" y="6356352"/>
+            <a:ext cx="3860800" cy="365125"/>
           </a:xfrm>
           <a:prstGeom prst="rect">
             <a:avLst/>
@@ -2725,8 +2807,8 @@
         </p:nvSpPr>
         <p:spPr>
           <a:xfrm>
-            <a:off x="6553200" y="6356350"/>
-            <a:ext cx="2133600" cy="365125"/>
+            <a:off x="8737600" y="6356352"/>
+            <a:ext cx="2844800" cy="365125"/>
           </a:xfrm>
           <a:prstGeom prst="rect">
             <a:avLst/>
@@ -2755,20 +2837,25 @@
         </p:txBody>
       </p:sp>
     </p:spTree>
+    <p:extLst>
+      <p:ext uri="{BB962C8B-B14F-4D97-AF65-F5344CB8AC3E}">
+        <p14:creationId xmlns:p14="http://schemas.microsoft.com/office/powerpoint/2010/main" val="1451401967"/>
+      </p:ext>
+    </p:extLst>
   </p:cSld>
   <p:clrMap bg1="lt1" tx1="dk1" bg2="lt2" tx2="dk2" accent1="accent1" accent2="accent2" accent3="accent3" accent4="accent4" accent5="accent5" accent6="accent6" hlink="hlink" folHlink="folHlink"/>
   <p:sldLayoutIdLst>
-    <p:sldLayoutId id="2147483649" r:id="rId1"/>
-    <p:sldLayoutId id="2147483650" r:id="rId2"/>
-    <p:sldLayoutId id="2147483651" r:id="rId3"/>
-    <p:sldLayoutId id="2147483652" r:id="rId4"/>
-    <p:sldLayoutId id="2147483653" r:id="rId5"/>
-    <p:sldLayoutId id="2147483654" r:id="rId6"/>
-    <p:sldLayoutId id="2147483655" r:id="rId7"/>
-    <p:sldLayoutId id="2147483656" r:id="rId8"/>
-    <p:sldLayoutId id="2147483657" r:id="rId9"/>
-    <p:sldLayoutId id="2147483658" r:id="rId10"/>
-    <p:sldLayoutId id="2147483659" r:id="rId11"/>
+    <p:sldLayoutId id="2147483661" r:id="rId1"/>
+    <p:sldLayoutId id="2147483662" r:id="rId2"/>
+    <p:sldLayoutId id="2147483663" r:id="rId3"/>
+    <p:sldLayoutId id="2147483664" r:id="rId4"/>
+    <p:sldLayoutId id="2147483665" r:id="rId5"/>
+    <p:sldLayoutId id="2147483666" r:id="rId6"/>
+    <p:sldLayoutId id="2147483667" r:id="rId7"/>
+    <p:sldLayoutId id="2147483668" r:id="rId8"/>
+    <p:sldLayoutId id="2147483669" r:id="rId9"/>
+    <p:sldLayoutId id="2147483670" r:id="rId10"/>
+    <p:sldLayoutId id="2147483671" r:id="rId11"/>
   </p:sldLayoutIdLst>
   <p:txStyles>
     <p:titleStyle>
@@ -3053,167 +3140,183 @@
         <p:spPr/>
         <p:txBody>
           <a:bodyPr>
-            <a:normAutofit/>
+            <a:noAutofit/>
           </a:bodyPr>
           <a:lstStyle/>
           <a:p>
             <a:r>
-              <a:rPr lang="zh-CN" altLang="en-US" sz="8800" b="1" dirty="0" smtClean="0">
-                <a:solidFill>
-                  <a:srgbClr val="002060"/>
-                </a:solidFill>
+              <a:rPr lang="zh-CN" altLang="en-US" sz="9600" b="1" dirty="0">
+                <a:solidFill>
+                  <a:srgbClr val="660033"/>
+                </a:solidFill>
+                <a:effectLst>
+                  <a:outerShdw blurRad="38100" dist="38100" dir="2700000" algn="tl">
+                    <a:srgbClr val="000000">
+                      <a:alpha val="43137"/>
+                    </a:srgbClr>
+                  </a:outerShdw>
+                </a:effectLst>
                 <a:latin typeface="微軟正黑體" pitchFamily="34" charset="-120"/>
                 <a:ea typeface="微軟正黑體" pitchFamily="34" charset="-120"/>
               </a:rPr>
               <a:t>同死同活</a:t>
             </a:r>
-            <a:endParaRPr lang="zh-TW" altLang="en-US" sz="8800" b="1" dirty="0">
+            <a:endParaRPr lang="zh-TW" altLang="en-US" sz="9600" b="1" dirty="0">
               <a:solidFill>
-                <a:srgbClr val="002060"/>
+                <a:srgbClr val="660033"/>
+              </a:solidFill>
+              <a:effectLst>
+                <a:outerShdw blurRad="38100" dist="38100" dir="2700000" algn="tl">
+                  <a:srgbClr val="000000">
+                    <a:alpha val="43137"/>
+                  </a:srgbClr>
+                </a:outerShdw>
+              </a:effectLst>
+              <a:latin typeface="微軟正黑體" pitchFamily="34" charset="-120"/>
+              <a:ea typeface="微軟正黑體" pitchFamily="34" charset="-120"/>
+            </a:endParaRPr>
+          </a:p>
+        </p:txBody>
+      </p:sp>
+      <p:sp>
+        <p:nvSpPr>
+          <p:cNvPr id="3" name="副標題 2"/>
+          <p:cNvSpPr>
+            <a:spLocks noGrp="1"/>
+          </p:cNvSpPr>
+          <p:nvPr>
+            <p:ph type="subTitle" idx="1"/>
+          </p:nvPr>
+        </p:nvSpPr>
+        <p:spPr/>
+        <p:txBody>
+          <a:bodyPr>
+            <a:normAutofit/>
+          </a:bodyPr>
+          <a:lstStyle/>
+          <a:p>
+            <a:r>
+              <a:rPr lang="zh-CN" altLang="en-US" sz="3600" b="1" dirty="0" smtClean="0">
+                <a:solidFill>
+                  <a:srgbClr val="000066"/>
+                </a:solidFill>
+                <a:latin typeface="微軟正黑體" pitchFamily="34" charset="-120"/>
+                <a:ea typeface="微軟正黑體" pitchFamily="34" charset="-120"/>
+              </a:rPr>
+              <a:t>西 </a:t>
+            </a:r>
+            <a:r>
+              <a:rPr lang="en-US" altLang="zh-CN" sz="3600" b="1" dirty="0" smtClean="0">
+                <a:solidFill>
+                  <a:srgbClr val="000066"/>
+                </a:solidFill>
+                <a:latin typeface="微軟正黑體" pitchFamily="34" charset="-120"/>
+                <a:ea typeface="微軟正黑體" pitchFamily="34" charset="-120"/>
+              </a:rPr>
+              <a:t>3 : 1-4</a:t>
+            </a:r>
+            <a:r>
+              <a:rPr lang="zh-CN" altLang="en-US" sz="3600" b="1" dirty="0">
+                <a:solidFill>
+                  <a:srgbClr val="000066"/>
+                </a:solidFill>
+                <a:latin typeface="微軟正黑體" pitchFamily="34" charset="-120"/>
+                <a:ea typeface="微軟正黑體" pitchFamily="34" charset="-120"/>
+              </a:rPr>
+              <a:t>，林</a:t>
+            </a:r>
+            <a:r>
+              <a:rPr lang="zh-CN" altLang="en-US" sz="3600" b="1" dirty="0" smtClean="0">
+                <a:solidFill>
+                  <a:srgbClr val="000066"/>
+                </a:solidFill>
+                <a:latin typeface="微軟正黑體" pitchFamily="34" charset="-120"/>
+                <a:ea typeface="微軟正黑體" pitchFamily="34" charset="-120"/>
+              </a:rPr>
+              <a:t>後 </a:t>
+            </a:r>
+            <a:r>
+              <a:rPr lang="en-US" altLang="zh-CN" sz="3600" b="1" dirty="0" smtClean="0">
+                <a:solidFill>
+                  <a:srgbClr val="000066"/>
+                </a:solidFill>
+                <a:latin typeface="微軟正黑體" pitchFamily="34" charset="-120"/>
+                <a:ea typeface="微軟正黑體" pitchFamily="34" charset="-120"/>
+              </a:rPr>
+              <a:t>5 : 14-15</a:t>
+            </a:r>
+            <a:endParaRPr lang="en-US" altLang="zh-CN" sz="3600" b="1" dirty="0">
+              <a:solidFill>
+                <a:srgbClr val="000066"/>
               </a:solidFill>
               <a:latin typeface="微軟正黑體" pitchFamily="34" charset="-120"/>
               <a:ea typeface="微軟正黑體" pitchFamily="34" charset="-120"/>
             </a:endParaRPr>
           </a:p>
-        </p:txBody>
-      </p:sp>
-      <p:sp>
-        <p:nvSpPr>
-          <p:cNvPr id="3" name="副標題 2"/>
-          <p:cNvSpPr>
-            <a:spLocks noGrp="1"/>
-          </p:cNvSpPr>
-          <p:nvPr>
-            <p:ph type="subTitle" idx="1"/>
-          </p:nvPr>
-        </p:nvSpPr>
-        <p:spPr/>
-        <p:txBody>
-          <a:bodyPr/>
-          <a:lstStyle/>
-          <a:p>
-            <a:r>
-              <a:rPr lang="zh-CN" altLang="en-US" dirty="0" smtClean="0">
-                <a:solidFill>
-                  <a:srgbClr val="002060"/>
+          <a:p>
+            <a:r>
+              <a:rPr lang="zh-CN" altLang="en-US" sz="3600" b="1" dirty="0" smtClean="0">
+                <a:solidFill>
+                  <a:srgbClr val="000066"/>
                 </a:solidFill>
                 <a:latin typeface="微軟正黑體" pitchFamily="34" charset="-120"/>
                 <a:ea typeface="微軟正黑體" pitchFamily="34" charset="-120"/>
               </a:rPr>
-              <a:t>西</a:t>
-            </a:r>
-            <a:r>
-              <a:rPr lang="en-US" altLang="zh-CN" dirty="0" smtClean="0">
-                <a:solidFill>
-                  <a:srgbClr val="002060"/>
+              <a:t>加 </a:t>
+            </a:r>
+            <a:r>
+              <a:rPr lang="en-US" altLang="zh-CN" sz="3600" b="1" dirty="0" smtClean="0">
+                <a:solidFill>
+                  <a:srgbClr val="000066"/>
                 </a:solidFill>
                 <a:latin typeface="微軟正黑體" pitchFamily="34" charset="-120"/>
                 <a:ea typeface="微軟正黑體" pitchFamily="34" charset="-120"/>
               </a:rPr>
-              <a:t>3:1-4</a:t>
-            </a:r>
-            <a:r>
-              <a:rPr lang="zh-CN" altLang="en-US" dirty="0" smtClean="0">
-                <a:solidFill>
-                  <a:srgbClr val="002060"/>
+              <a:t>2</a:t>
+            </a:r>
+            <a:r>
+              <a:rPr lang="zh-CN" altLang="en-US" sz="3600" b="1" dirty="0">
+                <a:solidFill>
+                  <a:srgbClr val="000066"/>
                 </a:solidFill>
                 <a:latin typeface="微軟正黑體" pitchFamily="34" charset="-120"/>
                 <a:ea typeface="微軟正黑體" pitchFamily="34" charset="-120"/>
               </a:rPr>
-              <a:t>，林後</a:t>
-            </a:r>
-            <a:r>
-              <a:rPr lang="en-US" altLang="zh-CN" dirty="0" smtClean="0">
-                <a:solidFill>
-                  <a:srgbClr val="002060"/>
+              <a:t>：</a:t>
+            </a:r>
+            <a:r>
+              <a:rPr lang="en-US" altLang="zh-CN" sz="3600" b="1" dirty="0">
+                <a:solidFill>
+                  <a:srgbClr val="000066"/>
                 </a:solidFill>
                 <a:latin typeface="微軟正黑體" pitchFamily="34" charset="-120"/>
                 <a:ea typeface="微軟正黑體" pitchFamily="34" charset="-120"/>
               </a:rPr>
-              <a:t>5:14-15</a:t>
-            </a:r>
-            <a:r>
-              <a:rPr lang="zh-CN" altLang="en-US" dirty="0" smtClean="0">
-                <a:solidFill>
-                  <a:srgbClr val="002060"/>
+              <a:t>20</a:t>
+            </a:r>
+            <a:r>
+              <a:rPr lang="zh-CN" altLang="en-US" sz="3600" b="1" dirty="0">
+                <a:solidFill>
+                  <a:srgbClr val="000066"/>
                 </a:solidFill>
                 <a:latin typeface="微軟正黑體" pitchFamily="34" charset="-120"/>
                 <a:ea typeface="微軟正黑體" pitchFamily="34" charset="-120"/>
               </a:rPr>
               <a:t>，</a:t>
             </a:r>
-            <a:endParaRPr lang="en-US" altLang="zh-CN" dirty="0" smtClean="0">
-              <a:solidFill>
-                <a:srgbClr val="002060"/>
-              </a:solidFill>
-              <a:latin typeface="微軟正黑體" pitchFamily="34" charset="-120"/>
-              <a:ea typeface="微軟正黑體" pitchFamily="34" charset="-120"/>
-            </a:endParaRPr>
-          </a:p>
-          <a:p>
-            <a:r>
-              <a:rPr lang="zh-CN" altLang="en-US" dirty="0" smtClean="0">
-                <a:solidFill>
-                  <a:srgbClr val="002060"/>
+            <a:r>
+              <a:rPr lang="en-US" altLang="zh-CN" sz="3600" b="1" dirty="0" smtClean="0">
+                <a:solidFill>
+                  <a:srgbClr val="000066"/>
                 </a:solidFill>
                 <a:latin typeface="微軟正黑體" pitchFamily="34" charset="-120"/>
                 <a:ea typeface="微軟正黑體" pitchFamily="34" charset="-120"/>
               </a:rPr>
-              <a:t>加</a:t>
-            </a:r>
-            <a:r>
-              <a:rPr lang="en-US" altLang="zh-CN" dirty="0" smtClean="0">
-                <a:solidFill>
-                  <a:srgbClr val="002060"/>
-                </a:solidFill>
-                <a:latin typeface="微軟正黑體" pitchFamily="34" charset="-120"/>
-                <a:ea typeface="微軟正黑體" pitchFamily="34" charset="-120"/>
-              </a:rPr>
-              <a:t>2</a:t>
-            </a:r>
-            <a:r>
-              <a:rPr lang="zh-CN" altLang="en-US" dirty="0" smtClean="0">
-                <a:solidFill>
-                  <a:srgbClr val="002060"/>
-                </a:solidFill>
-                <a:latin typeface="微軟正黑體" pitchFamily="34" charset="-120"/>
-                <a:ea typeface="微軟正黑體" pitchFamily="34" charset="-120"/>
-              </a:rPr>
-              <a:t>：</a:t>
-            </a:r>
-            <a:r>
-              <a:rPr lang="en-US" altLang="zh-CN" dirty="0" smtClean="0">
-                <a:solidFill>
-                  <a:srgbClr val="002060"/>
-                </a:solidFill>
-                <a:latin typeface="微軟正黑體" pitchFamily="34" charset="-120"/>
-                <a:ea typeface="微軟正黑體" pitchFamily="34" charset="-120"/>
-              </a:rPr>
-              <a:t>20</a:t>
-            </a:r>
-            <a:r>
-              <a:rPr lang="zh-CN" altLang="en-US" dirty="0" smtClean="0">
-                <a:solidFill>
-                  <a:srgbClr val="002060"/>
-                </a:solidFill>
-                <a:latin typeface="微軟正黑體" pitchFamily="34" charset="-120"/>
-                <a:ea typeface="微軟正黑體" pitchFamily="34" charset="-120"/>
-              </a:rPr>
-              <a:t>，</a:t>
-            </a:r>
-            <a:r>
-              <a:rPr lang="en-US" altLang="zh-CN" dirty="0" smtClean="0">
-                <a:solidFill>
-                  <a:srgbClr val="002060"/>
-                </a:solidFill>
-                <a:latin typeface="微軟正黑體" pitchFamily="34" charset="-120"/>
-                <a:ea typeface="微軟正黑體" pitchFamily="34" charset="-120"/>
-              </a:rPr>
-              <a:t>6:14</a:t>
-            </a:r>
-            <a:endParaRPr lang="zh-TW" altLang="en-US" dirty="0">
+              <a:t>6 : 14</a:t>
+            </a:r>
+            <a:endParaRPr lang="zh-TW" altLang="en-US" sz="3600" b="1" dirty="0">
               <a:solidFill>
-                <a:srgbClr val="002060"/>
+                <a:srgbClr val="000066"/>
               </a:solidFill>
               <a:latin typeface="微軟正黑體" pitchFamily="34" charset="-120"/>
               <a:ea typeface="微軟正黑體" pitchFamily="34" charset="-120"/>
@@ -3248,51 +3351,49 @@
       </p:grpSpPr>
       <p:sp>
         <p:nvSpPr>
-          <p:cNvPr id="3" name="內容版面配置區 2"/>
-          <p:cNvSpPr>
-            <a:spLocks noGrp="1"/>
-          </p:cNvSpPr>
-          <p:nvPr>
-            <p:ph idx="1"/>
+          <p:cNvPr id="3" name="Content Placeholder 2"/>
+          <p:cNvSpPr>
+            <a:spLocks noGrp="1"/>
+          </p:cNvSpPr>
+          <p:nvPr>
+            <p:ph sz="quarter" idx="1"/>
           </p:nvPr>
         </p:nvSpPr>
         <p:spPr>
           <a:xfrm>
             <a:off x="0" y="0"/>
-            <a:ext cx="9144000" cy="6858000"/>
+            <a:ext cx="11664619" cy="6858000"/>
           </a:xfrm>
         </p:spPr>
         <p:txBody>
-          <a:bodyPr>
-            <a:normAutofit/>
+          <a:bodyPr anchor="ctr">
+            <a:noAutofit/>
           </a:bodyPr>
           <a:lstStyle/>
           <a:p>
             <a:r>
-              <a:rPr lang="zh-TW" altLang="en-US" sz="5400" dirty="0">
-                <a:solidFill>
-                  <a:srgbClr val="002060"/>
+              <a:rPr lang="zh-TW" altLang="en-US" sz="6600" dirty="0">
+                <a:solidFill>
+                  <a:srgbClr val="660033"/>
                 </a:solidFill>
                 <a:latin typeface="微軟正黑體" pitchFamily="34" charset="-120"/>
                 <a:ea typeface="微軟正黑體" pitchFamily="34" charset="-120"/>
               </a:rPr>
-              <a:t>所以，你們若真與基督一同復活，就當求在上面的事；那裡有基督坐在神的右邊。 </a:t>
-            </a:r>
-          </a:p>
-          <a:p>
-            <a:r>
-              <a:rPr lang="zh-TW" altLang="en-US" sz="5400" b="1" dirty="0">
-                <a:solidFill>
-                  <a:srgbClr val="002060"/>
+              <a:t>所以，你們若真與基督一同復活，就當求在上面的事；那裡有基督坐在神的右邊</a:t>
+            </a:r>
+            <a:r>
+              <a:rPr lang="zh-TW" altLang="en-US" sz="6600" dirty="0" smtClean="0">
+                <a:solidFill>
+                  <a:srgbClr val="660033"/>
                 </a:solidFill>
                 <a:latin typeface="微軟正黑體" pitchFamily="34" charset="-120"/>
                 <a:ea typeface="微軟正黑體" pitchFamily="34" charset="-120"/>
               </a:rPr>
-              <a:t>你們要思念上面的事，不要思念地上的事。因為你們已經死了，你們的生命與基督一同藏在神裡面。</a:t>
-            </a:r>
-            <a:endParaRPr lang="en-US" altLang="zh-CN" sz="5400" b="1" dirty="0">
+              <a:t>。</a:t>
+            </a:r>
+            <a:endParaRPr lang="en-US" altLang="zh-TW" sz="6600" dirty="0" smtClean="0">
               <a:solidFill>
-                <a:srgbClr val="002060"/>
+                <a:srgbClr val="660033"/>
               </a:solidFill>
               <a:latin typeface="微軟正黑體" pitchFamily="34" charset="-120"/>
               <a:ea typeface="微軟正黑體" pitchFamily="34" charset="-120"/>
@@ -3301,10 +3402,22 @@
         </p:txBody>
       </p:sp>
     </p:spTree>
+    <p:extLst>
+      <p:ext uri="{BB962C8B-B14F-4D97-AF65-F5344CB8AC3E}">
+        <p14:creationId xmlns:p14="http://schemas.microsoft.com/office/powerpoint/2010/main" val="3106169204"/>
+      </p:ext>
+    </p:extLst>
   </p:cSld>
   <p:clrMapOvr>
     <a:masterClrMapping/>
   </p:clrMapOvr>
+  <p:timing>
+    <p:tnLst>
+      <p:par>
+        <p:cTn id="1" dur="indefinite" restart="never" nodeType="tmRoot"/>
+      </p:par>
+    </p:tnLst>
+  </p:timing>
 </p:sld>
 </file>
 
@@ -3327,60 +3440,83 @@
       </p:grpSpPr>
       <p:sp>
         <p:nvSpPr>
-          <p:cNvPr id="3" name="內容版面配置區 2"/>
-          <p:cNvSpPr>
-            <a:spLocks noGrp="1"/>
-          </p:cNvSpPr>
-          <p:nvPr>
-            <p:ph idx="1"/>
+          <p:cNvPr id="3" name="Content Placeholder 2"/>
+          <p:cNvSpPr>
+            <a:spLocks noGrp="1"/>
+          </p:cNvSpPr>
+          <p:nvPr>
+            <p:ph sz="quarter" idx="1"/>
           </p:nvPr>
         </p:nvSpPr>
         <p:spPr>
           <a:xfrm>
             <a:off x="0" y="0"/>
-            <a:ext cx="9144000" cy="6858000"/>
+            <a:ext cx="11664619" cy="6858000"/>
           </a:xfrm>
         </p:spPr>
         <p:txBody>
-          <a:bodyPr>
-            <a:normAutofit/>
+          <a:bodyPr anchor="ctr">
+            <a:noAutofit/>
           </a:bodyPr>
           <a:lstStyle/>
           <a:p>
             <a:r>
-              <a:rPr lang="zh-TW" altLang="en-US" sz="5400" dirty="0">
-                <a:solidFill>
-                  <a:srgbClr val="002060"/>
+              <a:rPr lang="zh-TW" altLang="en-US" sz="6600" b="1" dirty="0" smtClean="0">
+                <a:solidFill>
+                  <a:srgbClr val="660033"/>
                 </a:solidFill>
                 <a:latin typeface="微軟正黑體" pitchFamily="34" charset="-120"/>
                 <a:ea typeface="微軟正黑體" pitchFamily="34" charset="-120"/>
               </a:rPr>
-              <a:t>基督是我們的生命，他顯現的時候，你們也要與他一同顯現在榮耀裡。</a:t>
-            </a:r>
-            <a:endParaRPr lang="en-US" altLang="zh-TW" sz="5400" dirty="0">
+              <a:t>你</a:t>
+            </a:r>
+            <a:r>
+              <a:rPr lang="zh-TW" altLang="en-US" sz="6600" b="1" dirty="0">
+                <a:solidFill>
+                  <a:srgbClr val="660033"/>
+                </a:solidFill>
+                <a:latin typeface="微軟正黑體" pitchFamily="34" charset="-120"/>
+                <a:ea typeface="微軟正黑體" pitchFamily="34" charset="-120"/>
+              </a:rPr>
+              <a:t>們要思念上面的事，不要思念地上的事。因為你們已經死了，你們的生命與基督一同藏在神裡面</a:t>
+            </a:r>
+            <a:r>
+              <a:rPr lang="zh-TW" altLang="en-US" sz="6600" b="1" dirty="0">
+                <a:solidFill>
+                  <a:srgbClr val="660033"/>
+                </a:solidFill>
+                <a:latin typeface="微軟正黑體" pitchFamily="34" charset="-120"/>
+                <a:ea typeface="微軟正黑體" pitchFamily="34" charset="-120"/>
+              </a:rPr>
+              <a:t>。 </a:t>
+            </a:r>
+            <a:endParaRPr lang="zh-TW" altLang="en-US" sz="6600" b="1" dirty="0">
               <a:solidFill>
-                <a:srgbClr val="002060"/>
+                <a:srgbClr val="660033"/>
               </a:solidFill>
               <a:latin typeface="微軟正黑體" pitchFamily="34" charset="-120"/>
               <a:ea typeface="微軟正黑體" pitchFamily="34" charset="-120"/>
             </a:endParaRPr>
           </a:p>
-          <a:p>
-            <a:endParaRPr lang="en-US" altLang="zh-CN" sz="5400" dirty="0" smtClean="0">
-              <a:solidFill>
-                <a:srgbClr val="002060"/>
-              </a:solidFill>
-              <a:latin typeface="微軟正黑體" pitchFamily="34" charset="-120"/>
-              <a:ea typeface="微軟正黑體" pitchFamily="34" charset="-120"/>
-            </a:endParaRPr>
-          </a:p>
         </p:txBody>
       </p:sp>
     </p:spTree>
+    <p:extLst>
+      <p:ext uri="{BB962C8B-B14F-4D97-AF65-F5344CB8AC3E}">
+        <p14:creationId xmlns:p14="http://schemas.microsoft.com/office/powerpoint/2010/main" val="3080002869"/>
+      </p:ext>
+    </p:extLst>
   </p:cSld>
   <p:clrMapOvr>
     <a:masterClrMapping/>
   </p:clrMapOvr>
+  <p:timing>
+    <p:tnLst>
+      <p:par>
+        <p:cTn id="1" dur="indefinite" restart="never" nodeType="tmRoot"/>
+      </p:par>
+    </p:tnLst>
+  </p:timing>
 </p:sld>
 </file>
 
@@ -3403,39 +3539,49 @@
       </p:grpSpPr>
       <p:sp>
         <p:nvSpPr>
-          <p:cNvPr id="3" name="內容版面配置區 2"/>
-          <p:cNvSpPr>
-            <a:spLocks noGrp="1"/>
-          </p:cNvSpPr>
-          <p:nvPr>
-            <p:ph idx="1"/>
+          <p:cNvPr id="3" name="Content Placeholder 2"/>
+          <p:cNvSpPr>
+            <a:spLocks noGrp="1"/>
+          </p:cNvSpPr>
+          <p:nvPr>
+            <p:ph sz="quarter" idx="1"/>
           </p:nvPr>
         </p:nvSpPr>
         <p:spPr>
           <a:xfrm>
             <a:off x="0" y="0"/>
-            <a:ext cx="9144000" cy="6858000"/>
+            <a:ext cx="11664619" cy="6858000"/>
           </a:xfrm>
         </p:spPr>
         <p:txBody>
-          <a:bodyPr>
+          <a:bodyPr anchor="ctr">
             <a:normAutofit/>
           </a:bodyPr>
           <a:lstStyle/>
           <a:p>
             <a:r>
-              <a:rPr lang="zh-TW" altLang="en-US" sz="5400" b="1" dirty="0">
-                <a:solidFill>
-                  <a:srgbClr val="002060"/>
+              <a:rPr lang="zh-TW" altLang="en-US" sz="6600" dirty="0">
+                <a:solidFill>
+                  <a:srgbClr val="660033"/>
                 </a:solidFill>
                 <a:latin typeface="微軟正黑體" pitchFamily="34" charset="-120"/>
                 <a:ea typeface="微軟正黑體" pitchFamily="34" charset="-120"/>
               </a:rPr>
-              <a:t>原來基督的愛激勵我們；因我們想，一人既替眾人死，眾人就都死了； 並且他替眾人死，是叫那些活著的人不再為自己活，乃為替他們死而復活的主活。 </a:t>
-            </a:r>
-            <a:endParaRPr lang="en-US" altLang="zh-CN" sz="5400" b="1" dirty="0">
+              <a:t>基督是我們的生命，他顯現的時候，你們也要與他一同顯現在榮耀裡</a:t>
+            </a:r>
+            <a:r>
+              <a:rPr lang="zh-TW" altLang="en-US" sz="6600" dirty="0">
+                <a:solidFill>
+                  <a:srgbClr val="660033"/>
+                </a:solidFill>
+                <a:latin typeface="微軟正黑體" pitchFamily="34" charset="-120"/>
+                <a:ea typeface="微軟正黑體" pitchFamily="34" charset="-120"/>
+              </a:rPr>
+              <a:t>。</a:t>
+            </a:r>
+            <a:endParaRPr lang="en-US" altLang="zh-TW" sz="6600" dirty="0">
               <a:solidFill>
-                <a:srgbClr val="002060"/>
+                <a:srgbClr val="660033"/>
               </a:solidFill>
               <a:latin typeface="微軟正黑體" pitchFamily="34" charset="-120"/>
               <a:ea typeface="微軟正黑體" pitchFamily="34" charset="-120"/>
@@ -3444,10 +3590,22 @@
         </p:txBody>
       </p:sp>
     </p:spTree>
+    <p:extLst>
+      <p:ext uri="{BB962C8B-B14F-4D97-AF65-F5344CB8AC3E}">
+        <p14:creationId xmlns:p14="http://schemas.microsoft.com/office/powerpoint/2010/main" val="110306932"/>
+      </p:ext>
+    </p:extLst>
   </p:cSld>
   <p:clrMapOvr>
     <a:masterClrMapping/>
   </p:clrMapOvr>
+  <p:timing>
+    <p:tnLst>
+      <p:par>
+        <p:cTn id="1" dur="indefinite" restart="never" nodeType="tmRoot"/>
+      </p:par>
+    </p:tnLst>
+  </p:timing>
 </p:sld>
 </file>
 
@@ -3470,70 +3628,63 @@
       </p:grpSpPr>
       <p:sp>
         <p:nvSpPr>
-          <p:cNvPr id="3" name="內容版面配置區 2"/>
-          <p:cNvSpPr>
-            <a:spLocks noGrp="1"/>
-          </p:cNvSpPr>
-          <p:nvPr>
-            <p:ph idx="1"/>
+          <p:cNvPr id="3" name="Content Placeholder 2"/>
+          <p:cNvSpPr>
+            <a:spLocks noGrp="1"/>
+          </p:cNvSpPr>
+          <p:nvPr>
+            <p:ph sz="quarter" idx="1"/>
           </p:nvPr>
         </p:nvSpPr>
         <p:spPr>
           <a:xfrm>
             <a:off x="0" y="0"/>
-            <a:ext cx="9144000" cy="6858000"/>
+            <a:ext cx="11664619" cy="6858000"/>
           </a:xfrm>
         </p:spPr>
         <p:txBody>
-          <a:bodyPr>
+          <a:bodyPr anchor="ctr">
             <a:normAutofit/>
           </a:bodyPr>
           <a:lstStyle/>
           <a:p>
             <a:r>
-              <a:rPr lang="zh-TW" altLang="en-US" sz="5400" dirty="0">
-                <a:solidFill>
-                  <a:srgbClr val="002060"/>
+              <a:rPr lang="zh-TW" altLang="en-US" sz="6600" b="1" dirty="0">
+                <a:solidFill>
+                  <a:srgbClr val="660033"/>
                 </a:solidFill>
                 <a:latin typeface="微軟正黑體" pitchFamily="34" charset="-120"/>
                 <a:ea typeface="微軟正黑體" pitchFamily="34" charset="-120"/>
               </a:rPr>
-              <a:t>我已經與基督同釘十字架，現在活著的不再是我，乃是基督在我裡面活著</a:t>
-            </a:r>
-            <a:endParaRPr lang="en-US" altLang="zh-TW" sz="5400" dirty="0">
+              <a:t>原來基督的愛激勵我們；因我們想，一人既替眾人死，眾人就都死了； 並且他替眾人死，是叫那些活著的人不再為自己活，乃為替他們死而復活的主活。 </a:t>
+            </a:r>
+            <a:endParaRPr lang="en-US" altLang="zh-CN" sz="6600" b="1" dirty="0">
               <a:solidFill>
-                <a:srgbClr val="002060"/>
+                <a:srgbClr val="660033"/>
               </a:solidFill>
               <a:latin typeface="微軟正黑體" pitchFamily="34" charset="-120"/>
               <a:ea typeface="微軟正黑體" pitchFamily="34" charset="-120"/>
             </a:endParaRPr>
           </a:p>
-          <a:p>
-            <a:r>
-              <a:rPr lang="zh-TW" altLang="en-US" sz="5400" b="1" dirty="0">
-                <a:solidFill>
-                  <a:srgbClr val="002060"/>
-                </a:solidFill>
-                <a:latin typeface="微軟正黑體" pitchFamily="34" charset="-120"/>
-                <a:ea typeface="微軟正黑體" pitchFamily="34" charset="-120"/>
-              </a:rPr>
-              <a:t>並且我如今在肉身活著，是因信神的兒子而活；他是愛我，為我捨己。</a:t>
-            </a:r>
-            <a:endParaRPr lang="en-US" altLang="zh-CN" sz="5400" b="1" dirty="0">
-              <a:solidFill>
-                <a:srgbClr val="002060"/>
-              </a:solidFill>
-              <a:latin typeface="微軟正黑體" pitchFamily="34" charset="-120"/>
-              <a:ea typeface="微軟正黑體" pitchFamily="34" charset="-120"/>
-            </a:endParaRPr>
-          </a:p>
         </p:txBody>
       </p:sp>
     </p:spTree>
+    <p:extLst>
+      <p:ext uri="{BB962C8B-B14F-4D97-AF65-F5344CB8AC3E}">
+        <p14:creationId xmlns:p14="http://schemas.microsoft.com/office/powerpoint/2010/main" val="2594072945"/>
+      </p:ext>
+    </p:extLst>
   </p:cSld>
   <p:clrMapOvr>
     <a:masterClrMapping/>
   </p:clrMapOvr>
+  <p:timing>
+    <p:tnLst>
+      <p:par>
+        <p:cTn id="1" dur="indefinite" restart="never" nodeType="tmRoot"/>
+      </p:par>
+    </p:tnLst>
+  </p:timing>
 </p:sld>
 </file>
 
@@ -3556,39 +3707,197 @@
       </p:grpSpPr>
       <p:sp>
         <p:nvSpPr>
-          <p:cNvPr id="3" name="內容版面配置區 2"/>
-          <p:cNvSpPr>
-            <a:spLocks noGrp="1"/>
-          </p:cNvSpPr>
-          <p:nvPr>
-            <p:ph idx="1"/>
+          <p:cNvPr id="3" name="Content Placeholder 2"/>
+          <p:cNvSpPr>
+            <a:spLocks noGrp="1"/>
+          </p:cNvSpPr>
+          <p:nvPr>
+            <p:ph sz="quarter" idx="1"/>
           </p:nvPr>
         </p:nvSpPr>
         <p:spPr>
           <a:xfrm>
             <a:off x="0" y="0"/>
-            <a:ext cx="9144000" cy="6858000"/>
+            <a:ext cx="11664619" cy="6858000"/>
           </a:xfrm>
         </p:spPr>
         <p:txBody>
-          <a:bodyPr>
+          <a:bodyPr anchor="ctr">
             <a:normAutofit/>
           </a:bodyPr>
           <a:lstStyle/>
           <a:p>
             <a:r>
-              <a:rPr lang="zh-TW" altLang="en-US" sz="5400" dirty="0">
-                <a:solidFill>
-                  <a:srgbClr val="002060"/>
+              <a:rPr lang="zh-TW" altLang="en-US" sz="6600" dirty="0">
+                <a:solidFill>
+                  <a:srgbClr val="660033"/>
+                </a:solidFill>
+                <a:latin typeface="微軟正黑體" pitchFamily="34" charset="-120"/>
+                <a:ea typeface="微軟正黑體" pitchFamily="34" charset="-120"/>
+              </a:rPr>
+              <a:t>我已經與基督同釘十字架，現在活著的不再是我，乃是基督在我裡面活著</a:t>
+            </a:r>
+            <a:endParaRPr lang="en-US" altLang="zh-TW" sz="6600" dirty="0">
+              <a:solidFill>
+                <a:srgbClr val="660033"/>
+              </a:solidFill>
+              <a:latin typeface="微軟正黑體" pitchFamily="34" charset="-120"/>
+              <a:ea typeface="微軟正黑體" pitchFamily="34" charset="-120"/>
+            </a:endParaRPr>
+          </a:p>
+        </p:txBody>
+      </p:sp>
+    </p:spTree>
+    <p:extLst>
+      <p:ext uri="{BB962C8B-B14F-4D97-AF65-F5344CB8AC3E}">
+        <p14:creationId xmlns:p14="http://schemas.microsoft.com/office/powerpoint/2010/main" val="4258473929"/>
+      </p:ext>
+    </p:extLst>
+  </p:cSld>
+  <p:clrMapOvr>
+    <a:masterClrMapping/>
+  </p:clrMapOvr>
+  <p:timing>
+    <p:tnLst>
+      <p:par>
+        <p:cTn id="1" dur="indefinite" restart="never" nodeType="tmRoot"/>
+      </p:par>
+    </p:tnLst>
+  </p:timing>
+</p:sld>
+</file>
+
+<file path=ppt/slides/slide7.xml><?xml version="1.0" encoding="utf-8"?>
+<p:sld xmlns:a="http://schemas.openxmlformats.org/drawingml/2006/main" xmlns:r="http://schemas.openxmlformats.org/officeDocument/2006/relationships" xmlns:p="http://schemas.openxmlformats.org/presentationml/2006/main">
+  <p:cSld>
+    <p:spTree>
+      <p:nvGrpSpPr>
+        <p:cNvPr id="1" name=""/>
+        <p:cNvGrpSpPr/>
+        <p:nvPr/>
+      </p:nvGrpSpPr>
+      <p:grpSpPr>
+        <a:xfrm>
+          <a:off x="0" y="0"/>
+          <a:ext cx="0" cy="0"/>
+          <a:chOff x="0" y="0"/>
+          <a:chExt cx="0" cy="0"/>
+        </a:xfrm>
+      </p:grpSpPr>
+      <p:sp>
+        <p:nvSpPr>
+          <p:cNvPr id="3" name="Content Placeholder 2"/>
+          <p:cNvSpPr>
+            <a:spLocks noGrp="1"/>
+          </p:cNvSpPr>
+          <p:nvPr>
+            <p:ph sz="quarter" idx="1"/>
+          </p:nvPr>
+        </p:nvSpPr>
+        <p:spPr>
+          <a:xfrm>
+            <a:off x="0" y="0"/>
+            <a:ext cx="11664619" cy="6858000"/>
+          </a:xfrm>
+        </p:spPr>
+        <p:txBody>
+          <a:bodyPr anchor="ctr">
+            <a:normAutofit/>
+          </a:bodyPr>
+          <a:lstStyle/>
+          <a:p>
+            <a:r>
+              <a:rPr lang="zh-TW" altLang="en-US" sz="6600" b="1" dirty="0">
+                <a:solidFill>
+                  <a:srgbClr val="660033"/>
+                </a:solidFill>
+                <a:latin typeface="微軟正黑體" pitchFamily="34" charset="-120"/>
+                <a:ea typeface="微軟正黑體" pitchFamily="34" charset="-120"/>
+              </a:rPr>
+              <a:t>並且我如今在肉身活著，是因信神的兒子而活；他是愛我，為我捨己。</a:t>
+            </a:r>
+            <a:endParaRPr lang="en-US" altLang="zh-CN" sz="6600" b="1" dirty="0">
+              <a:solidFill>
+                <a:srgbClr val="660033"/>
+              </a:solidFill>
+              <a:latin typeface="微軟正黑體" pitchFamily="34" charset="-120"/>
+              <a:ea typeface="微軟正黑體" pitchFamily="34" charset="-120"/>
+            </a:endParaRPr>
+          </a:p>
+        </p:txBody>
+      </p:sp>
+    </p:spTree>
+    <p:extLst>
+      <p:ext uri="{BB962C8B-B14F-4D97-AF65-F5344CB8AC3E}">
+        <p14:creationId xmlns:p14="http://schemas.microsoft.com/office/powerpoint/2010/main" val="3857252699"/>
+      </p:ext>
+    </p:extLst>
+  </p:cSld>
+  <p:clrMapOvr>
+    <a:masterClrMapping/>
+  </p:clrMapOvr>
+  <p:timing>
+    <p:tnLst>
+      <p:par>
+        <p:cTn id="1" dur="indefinite" restart="never" nodeType="tmRoot"/>
+      </p:par>
+    </p:tnLst>
+  </p:timing>
+</p:sld>
+</file>
+
+<file path=ppt/slides/slide8.xml><?xml version="1.0" encoding="utf-8"?>
+<p:sld xmlns:a="http://schemas.openxmlformats.org/drawingml/2006/main" xmlns:r="http://schemas.openxmlformats.org/officeDocument/2006/relationships" xmlns:p="http://schemas.openxmlformats.org/presentationml/2006/main">
+  <p:cSld>
+    <p:spTree>
+      <p:nvGrpSpPr>
+        <p:cNvPr id="1" name=""/>
+        <p:cNvGrpSpPr/>
+        <p:nvPr/>
+      </p:nvGrpSpPr>
+      <p:grpSpPr>
+        <a:xfrm>
+          <a:off x="0" y="0"/>
+          <a:ext cx="0" cy="0"/>
+          <a:chOff x="0" y="0"/>
+          <a:chExt cx="0" cy="0"/>
+        </a:xfrm>
+      </p:grpSpPr>
+      <p:sp>
+        <p:nvSpPr>
+          <p:cNvPr id="3" name="Content Placeholder 2"/>
+          <p:cNvSpPr>
+            <a:spLocks noGrp="1"/>
+          </p:cNvSpPr>
+          <p:nvPr>
+            <p:ph sz="quarter" idx="1"/>
+          </p:nvPr>
+        </p:nvSpPr>
+        <p:spPr>
+          <a:xfrm>
+            <a:off x="0" y="0"/>
+            <a:ext cx="11664619" cy="6858000"/>
+          </a:xfrm>
+        </p:spPr>
+        <p:txBody>
+          <a:bodyPr anchor="ctr">
+            <a:normAutofit/>
+          </a:bodyPr>
+          <a:lstStyle/>
+          <a:p>
+            <a:r>
+              <a:rPr lang="zh-TW" altLang="en-US" sz="6600" dirty="0">
+                <a:solidFill>
+                  <a:srgbClr val="660033"/>
                 </a:solidFill>
                 <a:latin typeface="微軟正黑體" pitchFamily="34" charset="-120"/>
                 <a:ea typeface="微軟正黑體" pitchFamily="34" charset="-120"/>
               </a:rPr>
               <a:t>但我斷不以別的誇口，只誇我們主耶穌基督的十字架</a:t>
             </a:r>
-            <a:endParaRPr lang="en-US" altLang="zh-TW" sz="5400" dirty="0">
+            <a:endParaRPr lang="en-US" altLang="zh-TW" sz="6600" dirty="0">
               <a:solidFill>
-                <a:srgbClr val="002060"/>
+                <a:srgbClr val="660033"/>
               </a:solidFill>
               <a:latin typeface="微軟正黑體" pitchFamily="34" charset="-120"/>
               <a:ea typeface="微軟正黑體" pitchFamily="34" charset="-120"/>
@@ -3596,18 +3905,18 @@
           </a:p>
           <a:p>
             <a:r>
-              <a:rPr lang="zh-TW" altLang="en-US" sz="5400" b="1" dirty="0">
-                <a:solidFill>
-                  <a:srgbClr val="002060"/>
+              <a:rPr lang="zh-TW" altLang="en-US" sz="6600" b="1" dirty="0">
+                <a:solidFill>
+                  <a:srgbClr val="660033"/>
                 </a:solidFill>
                 <a:latin typeface="微軟正黑體" pitchFamily="34" charset="-120"/>
                 <a:ea typeface="微軟正黑體" pitchFamily="34" charset="-120"/>
               </a:rPr>
               <a:t>因這十字架，就我而論，世界已經釘在十字架上；就世界而論，我已經釘在十字架上。</a:t>
             </a:r>
-            <a:endParaRPr lang="en-US" altLang="zh-CN" sz="5400" b="1" dirty="0">
+            <a:endParaRPr lang="en-US" altLang="zh-CN" sz="6600" b="1" dirty="0">
               <a:solidFill>
-                <a:srgbClr val="002060"/>
+                <a:srgbClr val="660033"/>
               </a:solidFill>
               <a:latin typeface="微軟正黑體" pitchFamily="34" charset="-120"/>
               <a:ea typeface="微軟正黑體" pitchFamily="34" charset="-120"/>
@@ -3616,15 +3925,27 @@
         </p:txBody>
       </p:sp>
     </p:spTree>
+    <p:extLst>
+      <p:ext uri="{BB962C8B-B14F-4D97-AF65-F5344CB8AC3E}">
+        <p14:creationId xmlns:p14="http://schemas.microsoft.com/office/powerpoint/2010/main" val="2493439889"/>
+      </p:ext>
+    </p:extLst>
   </p:cSld>
   <p:clrMapOvr>
     <a:masterClrMapping/>
   </p:clrMapOvr>
+  <p:timing>
+    <p:tnLst>
+      <p:par>
+        <p:cTn id="1" dur="indefinite" restart="never" nodeType="tmRoot"/>
+      </p:par>
+    </p:tnLst>
+  </p:timing>
 </p:sld>
 </file>
 
 <file path=ppt/theme/theme1.xml><?xml version="1.0" encoding="utf-8"?>
-<a:theme xmlns:a="http://schemas.openxmlformats.org/drawingml/2006/main" name="Office 佈景主題">
+<a:theme xmlns:a="http://schemas.openxmlformats.org/drawingml/2006/main" name="Theme1">
   <a:themeElements>
     <a:clrScheme name="Office">
       <a:dk1>
@@ -3903,5 +4224,10 @@
   </a:themeElements>
   <a:objectDefaults/>
   <a:extraClrSchemeLst/>
+  <a:extLst>
+    <a:ext uri="{05A4C25C-085E-4340-85A3-A5531E510DB2}">
+      <thm15:themeFamily xmlns:thm15="http://schemas.microsoft.com/office/thememl/2012/main" name="Theme1" id="{AFC7C034-021A-479F-A5B0-F4AE2AC2A6F8}" vid="{E4B01A5C-7C0B-4AB8-8973-047186F18E30}"/>
+    </a:ext>
+  </a:extLst>
 </a:theme>
 </file>